--- a/field_scale/field_data/Отчет за 3 года полевых исследований .pptx
+++ b/field_scale/field_data/Отчет за 3 года полевых исследований .pptx
@@ -133,6 +133,11 @@
       </a:defRPr>
     </a:lvl9pPr>
   </p:defaultTextStyle>
+  <p:extLst>
+    <p:ext uri="{EFAFB233-063F-42B5-8137-9DF3F51BA10A}">
+      <p15:sldGuideLst xmlns:p15="http://schemas.microsoft.com/office/powerpoint/2012/main"/>
+    </p:ext>
+  </p:extLst>
 </p:presentation>
 </file>
 
@@ -858,7 +863,7 @@
           <a:p>
             <a:fld id="{B71A174B-F8DA-4C31-8FE7-8555DE7EC346}" type="datetimeFigureOut">
               <a:rPr lang="ru-RU" smtClean="0"/>
-              <a:t>28.02.2022</a:t>
+              <a:t>01.03.2022</a:t>
             </a:fld>
             <a:endParaRPr lang="ru-RU"/>
           </a:p>
@@ -1109,7 +1114,7 @@
           <a:p>
             <a:fld id="{B71A174B-F8DA-4C31-8FE7-8555DE7EC346}" type="datetimeFigureOut">
               <a:rPr lang="ru-RU" smtClean="0"/>
-              <a:t>28.02.2022</a:t>
+              <a:t>01.03.2022</a:t>
             </a:fld>
             <a:endParaRPr lang="ru-RU"/>
           </a:p>
@@ -1423,7 +1428,7 @@
           <a:p>
             <a:fld id="{B71A174B-F8DA-4C31-8FE7-8555DE7EC346}" type="datetimeFigureOut">
               <a:rPr lang="ru-RU" smtClean="0"/>
-              <a:t>28.02.2022</a:t>
+              <a:t>01.03.2022</a:t>
             </a:fld>
             <a:endParaRPr lang="ru-RU"/>
           </a:p>
@@ -1764,7 +1769,7 @@
           <a:p>
             <a:fld id="{B71A174B-F8DA-4C31-8FE7-8555DE7EC346}" type="datetimeFigureOut">
               <a:rPr lang="ru-RU" smtClean="0"/>
-              <a:t>28.02.2022</a:t>
+              <a:t>01.03.2022</a:t>
             </a:fld>
             <a:endParaRPr lang="ru-RU"/>
           </a:p>
@@ -2078,7 +2083,7 @@
           <a:p>
             <a:fld id="{B71A174B-F8DA-4C31-8FE7-8555DE7EC346}" type="datetimeFigureOut">
               <a:rPr lang="ru-RU" smtClean="0"/>
-              <a:t>28.02.2022</a:t>
+              <a:t>01.03.2022</a:t>
             </a:fld>
             <a:endParaRPr lang="ru-RU"/>
           </a:p>
@@ -2471,7 +2476,7 @@
           <a:p>
             <a:fld id="{B71A174B-F8DA-4C31-8FE7-8555DE7EC346}" type="datetimeFigureOut">
               <a:rPr lang="ru-RU" smtClean="0"/>
-              <a:t>28.02.2022</a:t>
+              <a:t>01.03.2022</a:t>
             </a:fld>
             <a:endParaRPr lang="ru-RU"/>
           </a:p>
@@ -2641,7 +2646,7 @@
           <a:p>
             <a:fld id="{B71A174B-F8DA-4C31-8FE7-8555DE7EC346}" type="datetimeFigureOut">
               <a:rPr lang="ru-RU" smtClean="0"/>
-              <a:t>28.02.2022</a:t>
+              <a:t>01.03.2022</a:t>
             </a:fld>
             <a:endParaRPr lang="ru-RU"/>
           </a:p>
@@ -2821,7 +2826,7 @@
           <a:p>
             <a:fld id="{B71A174B-F8DA-4C31-8FE7-8555DE7EC346}" type="datetimeFigureOut">
               <a:rPr lang="ru-RU" smtClean="0"/>
-              <a:t>28.02.2022</a:t>
+              <a:t>01.03.2022</a:t>
             </a:fld>
             <a:endParaRPr lang="ru-RU"/>
           </a:p>
@@ -2997,7 +3002,7 @@
           <a:p>
             <a:fld id="{B71A174B-F8DA-4C31-8FE7-8555DE7EC346}" type="datetimeFigureOut">
               <a:rPr lang="ru-RU" smtClean="0"/>
-              <a:t>28.02.2022</a:t>
+              <a:t>01.03.2022</a:t>
             </a:fld>
             <a:endParaRPr lang="ru-RU"/>
           </a:p>
@@ -3244,7 +3249,7 @@
           <a:p>
             <a:fld id="{B71A174B-F8DA-4C31-8FE7-8555DE7EC346}" type="datetimeFigureOut">
               <a:rPr lang="ru-RU" smtClean="0"/>
-              <a:t>28.02.2022</a:t>
+              <a:t>01.03.2022</a:t>
             </a:fld>
             <a:endParaRPr lang="ru-RU"/>
           </a:p>
@@ -3476,7 +3481,7 @@
           <a:p>
             <a:fld id="{B71A174B-F8DA-4C31-8FE7-8555DE7EC346}" type="datetimeFigureOut">
               <a:rPr lang="ru-RU" smtClean="0"/>
-              <a:t>28.02.2022</a:t>
+              <a:t>01.03.2022</a:t>
             </a:fld>
             <a:endParaRPr lang="ru-RU"/>
           </a:p>
@@ -3850,7 +3855,7 @@
           <a:p>
             <a:fld id="{B71A174B-F8DA-4C31-8FE7-8555DE7EC346}" type="datetimeFigureOut">
               <a:rPr lang="ru-RU" smtClean="0"/>
-              <a:t>28.02.2022</a:t>
+              <a:t>01.03.2022</a:t>
             </a:fld>
             <a:endParaRPr lang="ru-RU"/>
           </a:p>
@@ -3973,7 +3978,7 @@
           <a:p>
             <a:fld id="{B71A174B-F8DA-4C31-8FE7-8555DE7EC346}" type="datetimeFigureOut">
               <a:rPr lang="ru-RU" smtClean="0"/>
-              <a:t>28.02.2022</a:t>
+              <a:t>01.03.2022</a:t>
             </a:fld>
             <a:endParaRPr lang="ru-RU"/>
           </a:p>
@@ -4068,7 +4073,7 @@
           <a:p>
             <a:fld id="{B71A174B-F8DA-4C31-8FE7-8555DE7EC346}" type="datetimeFigureOut">
               <a:rPr lang="ru-RU" smtClean="0"/>
-              <a:t>28.02.2022</a:t>
+              <a:t>01.03.2022</a:t>
             </a:fld>
             <a:endParaRPr lang="ru-RU"/>
           </a:p>
@@ -4323,7 +4328,7 @@
           <a:p>
             <a:fld id="{B71A174B-F8DA-4C31-8FE7-8555DE7EC346}" type="datetimeFigureOut">
               <a:rPr lang="ru-RU" smtClean="0"/>
-              <a:t>28.02.2022</a:t>
+              <a:t>01.03.2022</a:t>
             </a:fld>
             <a:endParaRPr lang="ru-RU"/>
           </a:p>
@@ -4586,7 +4591,7 @@
           <a:p>
             <a:fld id="{B71A174B-F8DA-4C31-8FE7-8555DE7EC346}" type="datetimeFigureOut">
               <a:rPr lang="ru-RU" smtClean="0"/>
-              <a:t>28.02.2022</a:t>
+              <a:t>01.03.2022</a:t>
             </a:fld>
             <a:endParaRPr lang="ru-RU"/>
           </a:p>
@@ -5329,7 +5334,7 @@
           <a:p>
             <a:fld id="{B71A174B-F8DA-4C31-8FE7-8555DE7EC346}" type="datetimeFigureOut">
               <a:rPr lang="ru-RU" smtClean="0"/>
-              <a:t>28.02.2022</a:t>
+              <a:t>01.03.2022</a:t>
             </a:fld>
             <a:endParaRPr lang="ru-RU"/>
           </a:p>
@@ -9905,6 +9910,108 @@
           <a:bodyPr/>
           <a:lstStyle/>
           <a:p>
+            <a:r>
+              <a:rPr lang="ru-RU" dirty="0" err="1"/>
+              <a:t>Агрономически</a:t>
+            </a:r>
+            <a:r>
+              <a:rPr lang="ru-RU" dirty="0"/>
+              <a:t> ценные(0.25-10)</a:t>
+            </a:r>
+          </a:p>
+          <a:p>
+            <a:r>
+              <a:rPr lang="ru-RU" dirty="0" err="1"/>
+              <a:t>Агрономически</a:t>
+            </a:r>
+            <a:r>
+              <a:rPr lang="ru-RU" dirty="0"/>
+              <a:t> ценные водоустойчивые (0.25-10)</a:t>
+            </a:r>
+          </a:p>
+          <a:p>
+            <a:r>
+              <a:rPr lang="ru-RU" dirty="0"/>
+              <a:t>Агрегаты </a:t>
+            </a:r>
+            <a:r>
+              <a:rPr lang="en-US" dirty="0"/>
+              <a:t>&gt;10</a:t>
+            </a:r>
+          </a:p>
+          <a:p>
+            <a:r>
+              <a:rPr lang="ru-RU" dirty="0"/>
+              <a:t>Агрегаты</a:t>
+            </a:r>
+            <a:r>
+              <a:rPr lang="en-US" dirty="0"/>
+              <a:t>&lt;0.25</a:t>
+            </a:r>
+          </a:p>
+          <a:p>
+            <a:r>
+              <a:rPr lang="ru-RU" dirty="0"/>
+              <a:t>СВД сухих агрегатов</a:t>
+            </a:r>
+          </a:p>
+          <a:p>
+            <a:r>
+              <a:rPr lang="ru-RU" dirty="0"/>
+              <a:t>СВД водоустойчивых агрегатов </a:t>
+            </a:r>
+          </a:p>
+          <a:p>
+            <a:r>
+              <a:rPr lang="ru-RU" dirty="0" err="1"/>
+              <a:t>Коэф</a:t>
+            </a:r>
+            <a:r>
+              <a:rPr lang="ru-RU" dirty="0"/>
+              <a:t> АФИ (соотношение водоустойчивых и полевых)</a:t>
+            </a:r>
+          </a:p>
+          <a:p>
+            <a:r>
+              <a:rPr lang="ru-RU" dirty="0" err="1"/>
+              <a:t>Коэф</a:t>
+            </a:r>
+            <a:r>
+              <a:rPr lang="ru-RU" dirty="0"/>
+              <a:t> структурности </a:t>
+            </a:r>
+          </a:p>
+          <a:p>
+            <a:r>
+              <a:rPr lang="ru-RU" dirty="0" err="1"/>
+              <a:t>Коэф</a:t>
+            </a:r>
+            <a:r>
+              <a:rPr lang="ru-RU" dirty="0"/>
+              <a:t> </a:t>
+            </a:r>
+            <a:r>
+              <a:rPr lang="ru-RU" dirty="0" err="1"/>
+              <a:t>Вадюниной</a:t>
+            </a:r>
+            <a:r>
+              <a:rPr lang="ru-RU" dirty="0"/>
+              <a:t> (гран состав)</a:t>
+            </a:r>
+          </a:p>
+          <a:p>
+            <a:endParaRPr lang="en-US" dirty="0"/>
+          </a:p>
+          <a:p>
+            <a:endParaRPr lang="ru-RU" dirty="0"/>
+          </a:p>
+          <a:p>
+            <a:endParaRPr lang="ru-RU" dirty="0"/>
+          </a:p>
+          <a:p>
+            <a:endParaRPr lang="ru-RU" b="1" dirty="0"/>
+          </a:p>
+          <a:p>
             <a:endParaRPr lang="ru-RU" dirty="0"/>
           </a:p>
         </p:txBody>
@@ -10027,7 +10134,7 @@
         </p:blipFill>
         <p:spPr>
           <a:xfrm>
-            <a:off x="3497342" y="3359873"/>
+            <a:off x="3366444" y="223248"/>
             <a:ext cx="3183645" cy="3127047"/>
           </a:xfrm>
           <a:prstGeom prst="rect">
@@ -10099,7 +10206,7 @@
         </p:blipFill>
         <p:spPr>
           <a:xfrm>
-            <a:off x="3546867" y="142381"/>
+            <a:off x="3415969" y="3404249"/>
             <a:ext cx="3134120" cy="3127046"/>
           </a:xfrm>
           <a:prstGeom prst="rect">
@@ -10137,6 +10244,42 @@
           <a:xfrm>
             <a:off x="6810409" y="142381"/>
             <a:ext cx="3100742" cy="3045618"/>
+          </a:xfrm>
+          <a:prstGeom prst="rect">
+            <a:avLst/>
+          </a:prstGeom>
+        </p:spPr>
+      </p:pic>
+      <p:pic>
+        <p:nvPicPr>
+          <p:cNvPr id="4" name="Рисунок 3">
+            <a:extLst>
+              <a:ext uri="{FF2B5EF4-FFF2-40B4-BE49-F238E27FC236}">
+                <a16:creationId xmlns:a16="http://schemas.microsoft.com/office/drawing/2014/main" id="{6ED7B1CF-BA70-4C9F-B8B9-DBC79E22F3A1}"/>
+              </a:ext>
+            </a:extLst>
+          </p:cNvPr>
+          <p:cNvPicPr>
+            <a:picLocks noChangeAspect="1"/>
+          </p:cNvPicPr>
+          <p:nvPr/>
+        </p:nvPicPr>
+        <p:blipFill>
+          <a:blip r:embed="rId7">
+            <a:extLst>
+              <a:ext uri="{28A0092B-C50C-407E-A947-70E740481C1C}">
+                <a14:useLocalDpi xmlns:a14="http://schemas.microsoft.com/office/drawing/2010/main" val="0"/>
+              </a:ext>
+            </a:extLst>
+          </a:blip>
+          <a:stretch>
+            <a:fillRect/>
+          </a:stretch>
+        </p:blipFill>
+        <p:spPr>
+          <a:xfrm>
+            <a:off x="6810409" y="3281301"/>
+            <a:ext cx="3233003" cy="3292598"/>
           </a:xfrm>
           <a:prstGeom prst="rect">
             <a:avLst/>
@@ -10382,10 +10525,10 @@
       </p:sp>
       <p:pic>
         <p:nvPicPr>
-          <p:cNvPr id="7" name="Рисунок 6">
+          <p:cNvPr id="9" name="Рисунок 8">
             <a:extLst>
               <a:ext uri="{FF2B5EF4-FFF2-40B4-BE49-F238E27FC236}">
-                <a16:creationId xmlns:a16="http://schemas.microsoft.com/office/drawing/2014/main" id="{D602D34C-639A-49E1-A787-9AD5C1C92862}"/>
+                <a16:creationId xmlns:a16="http://schemas.microsoft.com/office/drawing/2014/main" id="{521DE6D8-9C29-4F92-A829-EC75B8A9BBC1}"/>
               </a:ext>
             </a:extLst>
           </p:cNvPr>
@@ -10408,43 +10551,7 @@
         </p:blipFill>
         <p:spPr>
           <a:xfrm>
-            <a:off x="4158771" y="181373"/>
-            <a:ext cx="3100742" cy="3045618"/>
-          </a:xfrm>
-          <a:prstGeom prst="rect">
-            <a:avLst/>
-          </a:prstGeom>
-        </p:spPr>
-      </p:pic>
-      <p:pic>
-        <p:nvPicPr>
-          <p:cNvPr id="9" name="Рисунок 8">
-            <a:extLst>
-              <a:ext uri="{FF2B5EF4-FFF2-40B4-BE49-F238E27FC236}">
-                <a16:creationId xmlns:a16="http://schemas.microsoft.com/office/drawing/2014/main" id="{521DE6D8-9C29-4F92-A829-EC75B8A9BBC1}"/>
-              </a:ext>
-            </a:extLst>
-          </p:cNvPr>
-          <p:cNvPicPr>
-            <a:picLocks noChangeAspect="1"/>
-          </p:cNvPicPr>
-          <p:nvPr/>
-        </p:nvPicPr>
-        <p:blipFill>
-          <a:blip r:embed="rId3">
-            <a:extLst>
-              <a:ext uri="{28A0092B-C50C-407E-A947-70E740481C1C}">
-                <a14:useLocalDpi xmlns:a14="http://schemas.microsoft.com/office/drawing/2010/main" val="0"/>
-              </a:ext>
-            </a:extLst>
-          </a:blip>
-          <a:stretch>
-            <a:fillRect/>
-          </a:stretch>
-        </p:blipFill>
-        <p:spPr>
-          <a:xfrm>
-            <a:off x="8046038" y="96792"/>
+            <a:off x="4168156" y="226064"/>
             <a:ext cx="3158527" cy="3130199"/>
           </a:xfrm>
           <a:prstGeom prst="rect">
@@ -10454,10 +10561,10 @@
       </p:pic>
       <p:pic>
         <p:nvPicPr>
-          <p:cNvPr id="11" name="Рисунок 10">
+          <p:cNvPr id="13" name="Рисунок 12">
             <a:extLst>
               <a:ext uri="{FF2B5EF4-FFF2-40B4-BE49-F238E27FC236}">
-                <a16:creationId xmlns:a16="http://schemas.microsoft.com/office/drawing/2014/main" id="{B1845861-B51C-4565-86FD-5F5644D31DA8}"/>
+                <a16:creationId xmlns:a16="http://schemas.microsoft.com/office/drawing/2014/main" id="{2423B7A6-1BD4-4048-B75C-0B79BD265C4A}"/>
               </a:ext>
             </a:extLst>
           </p:cNvPr>
@@ -10467,7 +10574,7 @@
           <p:nvPr/>
         </p:nvPicPr>
         <p:blipFill>
-          <a:blip r:embed="rId2">
+          <a:blip r:embed="rId3">
             <a:extLst>
               <a:ext uri="{28A0092B-C50C-407E-A947-70E740481C1C}">
                 <a14:useLocalDpi xmlns:a14="http://schemas.microsoft.com/office/drawing/2010/main" val="0"/>
@@ -10480,20 +10587,45 @@
         </p:blipFill>
         <p:spPr>
           <a:xfrm>
-            <a:off x="358545" y="3337276"/>
-            <a:ext cx="3584448" cy="3520724"/>
+            <a:off x="7777010" y="161028"/>
+            <a:ext cx="3210854" cy="3225449"/>
           </a:xfrm>
           <a:prstGeom prst="rect">
             <a:avLst/>
           </a:prstGeom>
         </p:spPr>
       </p:pic>
+      <p:sp>
+        <p:nvSpPr>
+          <p:cNvPr id="15" name="Объект 14">
+            <a:extLst>
+              <a:ext uri="{FF2B5EF4-FFF2-40B4-BE49-F238E27FC236}">
+                <a16:creationId xmlns:a16="http://schemas.microsoft.com/office/drawing/2014/main" id="{DD4324BD-01EA-4457-A2AC-9066DEFB5977}"/>
+              </a:ext>
+            </a:extLst>
+          </p:cNvPr>
+          <p:cNvSpPr>
+            <a:spLocks noGrp="1"/>
+          </p:cNvSpPr>
+          <p:nvPr>
+            <p:ph idx="1"/>
+          </p:nvPr>
+        </p:nvSpPr>
+        <p:spPr/>
+        <p:txBody>
+          <a:bodyPr/>
+          <a:lstStyle/>
+          <a:p>
+            <a:endParaRPr lang="ru-RU" dirty="0"/>
+          </a:p>
+        </p:txBody>
+      </p:sp>
       <p:pic>
         <p:nvPicPr>
-          <p:cNvPr id="13" name="Рисунок 12">
+          <p:cNvPr id="16" name="Рисунок 15">
             <a:extLst>
               <a:ext uri="{FF2B5EF4-FFF2-40B4-BE49-F238E27FC236}">
-                <a16:creationId xmlns:a16="http://schemas.microsoft.com/office/drawing/2014/main" id="{2423B7A6-1BD4-4048-B75C-0B79BD265C4A}"/>
+                <a16:creationId xmlns:a16="http://schemas.microsoft.com/office/drawing/2014/main" id="{5255624D-CB34-4CEE-AEBC-620C50C1ADC4}"/>
               </a:ext>
             </a:extLst>
           </p:cNvPr>
@@ -10516,68 +10648,7 @@
         </p:blipFill>
         <p:spPr>
           <a:xfrm>
-            <a:off x="5526396" y="3484913"/>
-            <a:ext cx="3210854" cy="3225449"/>
-          </a:xfrm>
-          <a:prstGeom prst="rect">
-            <a:avLst/>
-          </a:prstGeom>
-        </p:spPr>
-      </p:pic>
-      <p:sp>
-        <p:nvSpPr>
-          <p:cNvPr id="15" name="Объект 14">
-            <a:extLst>
-              <a:ext uri="{FF2B5EF4-FFF2-40B4-BE49-F238E27FC236}">
-                <a16:creationId xmlns:a16="http://schemas.microsoft.com/office/drawing/2014/main" id="{DD4324BD-01EA-4457-A2AC-9066DEFB5977}"/>
-              </a:ext>
-            </a:extLst>
-          </p:cNvPr>
-          <p:cNvSpPr>
-            <a:spLocks noGrp="1"/>
-          </p:cNvSpPr>
-          <p:nvPr>
-            <p:ph idx="1"/>
-          </p:nvPr>
-        </p:nvSpPr>
-        <p:spPr/>
-        <p:txBody>
-          <a:bodyPr/>
-          <a:lstStyle/>
-          <a:p>
-            <a:endParaRPr lang="ru-RU" dirty="0"/>
-          </a:p>
-        </p:txBody>
-      </p:sp>
-      <p:pic>
-        <p:nvPicPr>
-          <p:cNvPr id="16" name="Рисунок 15">
-            <a:extLst>
-              <a:ext uri="{FF2B5EF4-FFF2-40B4-BE49-F238E27FC236}">
-                <a16:creationId xmlns:a16="http://schemas.microsoft.com/office/drawing/2014/main" id="{5255624D-CB34-4CEE-AEBC-620C50C1ADC4}"/>
-              </a:ext>
-            </a:extLst>
-          </p:cNvPr>
-          <p:cNvPicPr>
-            <a:picLocks noChangeAspect="1"/>
-          </p:cNvPicPr>
-          <p:nvPr/>
-        </p:nvPicPr>
-        <p:blipFill>
-          <a:blip r:embed="rId5">
-            <a:extLst>
-              <a:ext uri="{28A0092B-C50C-407E-A947-70E740481C1C}">
-                <a14:useLocalDpi xmlns:a14="http://schemas.microsoft.com/office/drawing/2010/main" val="0"/>
-              </a:ext>
-            </a:extLst>
-          </a:blip>
-          <a:stretch>
-            <a:fillRect/>
-          </a:stretch>
-        </p:blipFill>
-        <p:spPr>
-          <a:xfrm>
-            <a:off x="661147" y="301954"/>
+            <a:off x="583708" y="210230"/>
             <a:ext cx="3134121" cy="3127046"/>
           </a:xfrm>
           <a:prstGeom prst="rect">
